--- a/1.中間報告/3.発表資料/report_hokada picture.pptx
+++ b/1.中間報告/3.発表資料/report_hokada picture.pptx
@@ -17228,7 +17228,7 @@
             <a:fld id="{768736D5-E0D3-4111-8C4C-E5098B8E037F}" type="datetimeFigureOut">
               <a:rPr kumimoji="1" lang="ja-JP" altLang="en-US" smtClean="0"/>
               <a:pPr/>
-              <a:t>2014/12/4</a:t>
+              <a:t>2014/12/8</a:t>
             </a:fld>
             <a:endParaRPr kumimoji="1" lang="ja-JP" altLang="en-US" dirty="0"/>
           </a:p>
@@ -17972,7 +17972,7 @@
             <a:fld id="{A9FED28E-9910-4CC0-BDE8-5AFA225D5F47}" type="datetime1">
               <a:rPr kumimoji="1" lang="ja-JP" altLang="en-US" smtClean="0"/>
               <a:pPr/>
-              <a:t>2014/12/4</a:t>
+              <a:t>2014/12/8</a:t>
             </a:fld>
             <a:endParaRPr kumimoji="1" lang="ja-JP" altLang="en-US" dirty="0"/>
           </a:p>
@@ -18171,7 +18171,7 @@
             <a:fld id="{6A6F51AD-34C9-47F4-86A8-3B69DA90BEA2}" type="datetime1">
               <a:rPr kumimoji="1" lang="ja-JP" altLang="en-US" smtClean="0"/>
               <a:pPr/>
-              <a:t>2014/12/4</a:t>
+              <a:t>2014/12/8</a:t>
             </a:fld>
             <a:endParaRPr kumimoji="1" lang="ja-JP" altLang="en-US" dirty="0"/>
           </a:p>
@@ -18380,7 +18380,7 @@
             <a:fld id="{7590417E-B2DC-43DB-A4CD-B72741785689}" type="datetime1">
               <a:rPr kumimoji="1" lang="ja-JP" altLang="en-US" smtClean="0"/>
               <a:pPr/>
-              <a:t>2014/12/4</a:t>
+              <a:t>2014/12/8</a:t>
             </a:fld>
             <a:endParaRPr kumimoji="1" lang="ja-JP" altLang="en-US" dirty="0"/>
           </a:p>
@@ -18579,7 +18579,7 @@
             <a:fld id="{BD1CCC0A-69FD-4DB1-8F69-9B7E47B35B06}" type="datetime1">
               <a:rPr kumimoji="1" lang="ja-JP" altLang="en-US" smtClean="0"/>
               <a:pPr/>
-              <a:t>2014/12/4</a:t>
+              <a:t>2014/12/8</a:t>
             </a:fld>
             <a:endParaRPr kumimoji="1" lang="ja-JP" altLang="en-US" dirty="0"/>
           </a:p>
@@ -18831,7 +18831,7 @@
             <a:fld id="{0070CAFA-E75C-41BD-BE36-3967424809FA}" type="datetime1">
               <a:rPr kumimoji="1" lang="ja-JP" altLang="en-US" smtClean="0"/>
               <a:pPr/>
-              <a:t>2014/12/4</a:t>
+              <a:t>2014/12/8</a:t>
             </a:fld>
             <a:endParaRPr kumimoji="1" lang="ja-JP" altLang="en-US" dirty="0"/>
           </a:p>
@@ -19180,7 +19180,7 @@
             <a:fld id="{068F4025-64F1-4470-B5D1-4B3DAE112D35}" type="datetime1">
               <a:rPr kumimoji="1" lang="ja-JP" altLang="en-US" smtClean="0"/>
               <a:pPr/>
-              <a:t>2014/12/4</a:t>
+              <a:t>2014/12/8</a:t>
             </a:fld>
             <a:endParaRPr kumimoji="1" lang="ja-JP" altLang="en-US" dirty="0"/>
           </a:p>
@@ -19663,7 +19663,7 @@
             <a:fld id="{B9D22DCD-7121-4433-9452-1134E9B0F84C}" type="datetime1">
               <a:rPr kumimoji="1" lang="ja-JP" altLang="en-US" smtClean="0"/>
               <a:pPr/>
-              <a:t>2014/12/4</a:t>
+              <a:t>2014/12/8</a:t>
             </a:fld>
             <a:endParaRPr kumimoji="1" lang="ja-JP" altLang="en-US" dirty="0"/>
           </a:p>
@@ -19778,7 +19778,7 @@
             <a:fld id="{C7DC36FC-1499-47BD-B33A-43ABA6D8900D}" type="datetime1">
               <a:rPr kumimoji="1" lang="ja-JP" altLang="en-US" smtClean="0"/>
               <a:pPr/>
-              <a:t>2014/12/4</a:t>
+              <a:t>2014/12/8</a:t>
             </a:fld>
             <a:endParaRPr kumimoji="1" lang="ja-JP" altLang="en-US" dirty="0"/>
           </a:p>
@@ -19870,7 +19870,7 @@
             <a:fld id="{D659CCE9-15B5-4EA3-8B94-9C5237C58DE4}" type="datetime1">
               <a:rPr kumimoji="1" lang="ja-JP" altLang="en-US" smtClean="0"/>
               <a:pPr/>
-              <a:t>2014/12/4</a:t>
+              <a:t>2014/12/8</a:t>
             </a:fld>
             <a:endParaRPr kumimoji="1" lang="ja-JP" altLang="en-US" dirty="0"/>
           </a:p>
@@ -20176,7 +20176,7 @@
             <a:fld id="{E175F6F9-74FF-4910-8619-FBBF32934514}" type="datetime1">
               <a:rPr kumimoji="1" lang="ja-JP" altLang="en-US" smtClean="0"/>
               <a:pPr/>
-              <a:t>2014/12/4</a:t>
+              <a:t>2014/12/8</a:t>
             </a:fld>
             <a:endParaRPr kumimoji="1" lang="ja-JP" altLang="en-US" dirty="0"/>
           </a:p>
@@ -20426,7 +20426,7 @@
             <a:fld id="{F71BFCFD-31AB-4D54-B301-796373502974}" type="datetime1">
               <a:rPr kumimoji="1" lang="ja-JP" altLang="en-US" smtClean="0"/>
               <a:pPr/>
-              <a:t>2014/12/4</a:t>
+              <a:t>2014/12/8</a:t>
             </a:fld>
             <a:endParaRPr kumimoji="1" lang="ja-JP" altLang="en-US" dirty="0"/>
           </a:p>
@@ -20668,7 +20668,7 @@
             <a:fld id="{11B3F5BA-E36A-437C-98D2-FDEE83C185CE}" type="datetime1">
               <a:rPr kumimoji="1" lang="ja-JP" altLang="en-US" smtClean="0"/>
               <a:pPr/>
-              <a:t>2014/12/4</a:t>
+              <a:t>2014/12/8</a:t>
             </a:fld>
             <a:endParaRPr kumimoji="1" lang="ja-JP" altLang="en-US" dirty="0"/>
           </a:p>
@@ -28493,13 +28493,18 @@
                         </a:spcAft>
                       </a:pPr>
                       <a:r>
-                        <a:rPr lang="ja-JP" sz="1800" b="1" kern="100" dirty="0">
+                        <a:rPr lang="ja-JP" altLang="en-US" sz="1800" b="1" kern="100" dirty="0" smtClean="0">
                           <a:latin typeface="+mn-lt"/>
                           <a:ea typeface="Mincho"/>
                           <a:cs typeface="Times New Roman"/>
                         </a:rPr>
-                        <a:t>スクロールしないで入力できる</a:t>
+                        <a:t>初期表示の文言を設定する</a:t>
                       </a:r>
+                      <a:endParaRPr lang="ja-JP" altLang="ja-JP" sz="1800" b="1" kern="100" dirty="0">
+                        <a:latin typeface="+mn-lt"/>
+                        <a:ea typeface="Mincho"/>
+                        <a:cs typeface="Times New Roman"/>
+                      </a:endParaRPr>
                     </a:p>
                   </a:txBody>
                   <a:tcPr marL="71663" marR="71663" marT="0" marB="0" anchor="ctr">
